--- a/lesson02_session.pptx
+++ b/lesson02_session.pptx
@@ -3497,19 +3497,19 @@
               <a:rPr lang="ja-JP" altLang="en-US" sz="2400"/>
               <a:t>プログラム解説</a:t>
             </a:r>
-            <a:endParaRPr lang="en-US" altLang="ja-JP" sz="2000" dirty="0"/>
+            <a:endParaRPr lang="en-US" altLang="ja-JP" sz="2400" dirty="0"/>
           </a:p>
           <a:p>
             <a:pPr lvl="1"/>
             <a:r>
-              <a:rPr lang="en-US" altLang="ja-JP" sz="2000" dirty="0"/>
+              <a:rPr lang="en-US" altLang="ja-JP" dirty="0"/>
               <a:t>import</a:t>
             </a:r>
             <a:r>
-              <a:rPr lang="ja-JP" altLang="en-US" sz="2000"/>
+              <a:rPr lang="ja-JP" altLang="en-US"/>
               <a:t>でモジュールを読み込み</a:t>
             </a:r>
-            <a:endParaRPr lang="en-US" altLang="ja-JP" sz="2000" dirty="0"/>
+            <a:endParaRPr lang="en-US" altLang="ja-JP" dirty="0"/>
           </a:p>
           <a:p>
             <a:pPr lvl="1"/>
